--- a/C5T1_CreditOne.pptx
+++ b/C5T1_CreditOne.pptx
@@ -9,10 +9,11 @@
     <p:sldId id="257" r:id="rId3"/>
     <p:sldId id="258" r:id="rId4"/>
     <p:sldId id="265" r:id="rId5"/>
-    <p:sldId id="259" r:id="rId6"/>
-    <p:sldId id="260" r:id="rId7"/>
-    <p:sldId id="261" r:id="rId8"/>
-    <p:sldId id="264" r:id="rId9"/>
+    <p:sldId id="268" r:id="rId6"/>
+    <p:sldId id="267" r:id="rId7"/>
+    <p:sldId id="260" r:id="rId8"/>
+    <p:sldId id="261" r:id="rId9"/>
+    <p:sldId id="264" r:id="rId10"/>
   </p:sldIdLst>
   <p:sldSz cx="9144000" cy="6858000" type="screen4x3"/>
   <p:notesSz cx="6858000" cy="9144000"/>
@@ -120,7 +121,8 @@
             <p14:sldId id="257"/>
             <p14:sldId id="258"/>
             <p14:sldId id="265"/>
-            <p14:sldId id="259"/>
+            <p14:sldId id="268"/>
+            <p14:sldId id="267"/>
             <p14:sldId id="260"/>
             <p14:sldId id="261"/>
             <p14:sldId id="264"/>
@@ -391,7 +393,7 @@
           <a:p>
             <a:fld id="{D2E587EC-4A3E-4030-BABC-5E0C0236501C}" type="datetimeFigureOut">
               <a:rPr lang="ko-KR" altLang="en-US" smtClean="0"/>
-              <a:t>2019-07-14</a:t>
+              <a:t>2019-07-27</a:t>
             </a:fld>
             <a:endParaRPr lang="ko-KR" altLang="en-US"/>
           </a:p>
@@ -659,7 +661,7 @@
           <a:p>
             <a:fld id="{D2E587EC-4A3E-4030-BABC-5E0C0236501C}" type="datetimeFigureOut">
               <a:rPr lang="ko-KR" altLang="en-US" smtClean="0"/>
-              <a:t>2019-07-14</a:t>
+              <a:t>2019-07-27</a:t>
             </a:fld>
             <a:endParaRPr lang="ko-KR" altLang="en-US"/>
           </a:p>
@@ -877,7 +879,7 @@
           <a:p>
             <a:fld id="{D2E587EC-4A3E-4030-BABC-5E0C0236501C}" type="datetimeFigureOut">
               <a:rPr lang="ko-KR" altLang="en-US" smtClean="0"/>
-              <a:t>2019-07-14</a:t>
+              <a:t>2019-07-27</a:t>
             </a:fld>
             <a:endParaRPr lang="ko-KR" altLang="en-US"/>
           </a:p>
@@ -1127,7 +1129,7 @@
           <a:p>
             <a:fld id="{D2E587EC-4A3E-4030-BABC-5E0C0236501C}" type="datetimeFigureOut">
               <a:rPr lang="ko-KR" altLang="en-US" smtClean="0"/>
-              <a:t>2019-07-14</a:t>
+              <a:t>2019-07-27</a:t>
             </a:fld>
             <a:endParaRPr lang="ko-KR" altLang="en-US"/>
           </a:p>
@@ -1483,7 +1485,7 @@
           <a:p>
             <a:fld id="{D2E587EC-4A3E-4030-BABC-5E0C0236501C}" type="datetimeFigureOut">
               <a:rPr lang="ko-KR" altLang="en-US" smtClean="0"/>
-              <a:t>2019-07-14</a:t>
+              <a:t>2019-07-27</a:t>
             </a:fld>
             <a:endParaRPr lang="ko-KR" altLang="en-US"/>
           </a:p>
@@ -1941,7 +1943,7 @@
           <a:p>
             <a:fld id="{D2E587EC-4A3E-4030-BABC-5E0C0236501C}" type="datetimeFigureOut">
               <a:rPr lang="ko-KR" altLang="en-US" smtClean="0"/>
-              <a:t>2019-07-14</a:t>
+              <a:t>2019-07-27</a:t>
             </a:fld>
             <a:endParaRPr lang="ko-KR" altLang="en-US"/>
           </a:p>
@@ -2100,7 +2102,7 @@
           <a:p>
             <a:fld id="{D2E587EC-4A3E-4030-BABC-5E0C0236501C}" type="datetimeFigureOut">
               <a:rPr lang="ko-KR" altLang="en-US" smtClean="0"/>
-              <a:t>2019-07-14</a:t>
+              <a:t>2019-07-27</a:t>
             </a:fld>
             <a:endParaRPr lang="ko-KR" altLang="en-US"/>
           </a:p>
@@ -2231,7 +2233,7 @@
           <a:p>
             <a:fld id="{D2E587EC-4A3E-4030-BABC-5E0C0236501C}" type="datetimeFigureOut">
               <a:rPr lang="ko-KR" altLang="en-US" smtClean="0"/>
-              <a:t>2019-07-14</a:t>
+              <a:t>2019-07-27</a:t>
             </a:fld>
             <a:endParaRPr lang="ko-KR" altLang="en-US"/>
           </a:p>
@@ -2544,7 +2546,7 @@
           <a:p>
             <a:fld id="{D2E587EC-4A3E-4030-BABC-5E0C0236501C}" type="datetimeFigureOut">
               <a:rPr lang="ko-KR" altLang="en-US" smtClean="0"/>
-              <a:t>2019-07-14</a:t>
+              <a:t>2019-07-27</a:t>
             </a:fld>
             <a:endParaRPr lang="ko-KR" altLang="en-US"/>
           </a:p>
@@ -2833,7 +2835,7 @@
           <a:p>
             <a:fld id="{D2E587EC-4A3E-4030-BABC-5E0C0236501C}" type="datetimeFigureOut">
               <a:rPr lang="ko-KR" altLang="en-US" smtClean="0"/>
-              <a:t>2019-07-14</a:t>
+              <a:t>2019-07-27</a:t>
             </a:fld>
             <a:endParaRPr lang="ko-KR" altLang="en-US"/>
           </a:p>
@@ -3065,7 +3067,7 @@
           <a:p>
             <a:fld id="{D2E587EC-4A3E-4030-BABC-5E0C0236501C}" type="datetimeFigureOut">
               <a:rPr lang="ko-KR" altLang="en-US" smtClean="0"/>
-              <a:t>2019-07-14</a:t>
+              <a:t>2019-07-27</a:t>
             </a:fld>
             <a:endParaRPr lang="ko-KR" altLang="en-US"/>
           </a:p>
@@ -3826,12 +3828,62 @@
             <p:ph idx="1"/>
           </p:nvPr>
         </p:nvSpPr>
-        <p:spPr/>
-        <p:txBody>
-          <a:bodyPr/>
-          <a:lstStyle/>
-          <a:p>
-            <a:endParaRPr lang="en-US" dirty="0"/>
+        <p:spPr>
+          <a:xfrm>
+            <a:off x="1547664" y="1600200"/>
+            <a:ext cx="7200800" cy="4525963"/>
+          </a:xfrm>
+        </p:spPr>
+        <p:txBody>
+          <a:bodyPr>
+            <a:normAutofit/>
+          </a:bodyPr>
+          <a:lstStyle/>
+          <a:p>
+            <a:pPr marL="0" indent="0" algn="just">
+              <a:buNone/>
+            </a:pPr>
+            <a:r>
+              <a:rPr lang="en-US" sz="2000" dirty="0"/>
+              <a:t>Over the past year or so </a:t>
+            </a:r>
+            <a:r>
+              <a:rPr lang="en-US" sz="2000" dirty="0" err="1"/>
+              <a:t>CreditOne</a:t>
+            </a:r>
+            <a:r>
+              <a:rPr lang="en-US" sz="2000" dirty="0"/>
+              <a:t> has seen an increase in the number of customers who have defaulted on loans they have secured from various partners.  </a:t>
+            </a:r>
+          </a:p>
+          <a:p>
+            <a:pPr marL="0" indent="0" algn="just">
+              <a:buNone/>
+            </a:pPr>
+            <a:endParaRPr lang="en-US" sz="2000" dirty="0"/>
+          </a:p>
+          <a:p>
+            <a:pPr marL="0" indent="0" algn="just">
+              <a:buNone/>
+            </a:pPr>
+            <a:r>
+              <a:rPr lang="en-US" sz="2000" dirty="0" err="1"/>
+              <a:t>CreditOne</a:t>
+            </a:r>
+            <a:r>
+              <a:rPr lang="en-US" sz="2000" dirty="0"/>
+              <a:t> could risk losing business if the problem is not </a:t>
+            </a:r>
+          </a:p>
+          <a:p>
+            <a:pPr marL="0" indent="0" algn="just">
+              <a:buNone/>
+            </a:pPr>
+            <a:r>
+              <a:rPr lang="en-US" sz="2000" dirty="0"/>
+              <a:t>resolved. </a:t>
+            </a:r>
+            <a:endParaRPr lang="en-US" sz="1400" dirty="0"/>
           </a:p>
         </p:txBody>
       </p:sp>
@@ -3910,28 +3962,89 @@
             <p:ph idx="1"/>
           </p:nvPr>
         </p:nvSpPr>
-        <p:spPr/>
+        <p:spPr>
+          <a:xfrm>
+            <a:off x="1547664" y="1600200"/>
+            <a:ext cx="7139136" cy="4525963"/>
+          </a:xfrm>
+        </p:spPr>
         <p:txBody>
           <a:bodyPr>
             <a:normAutofit/>
           </a:bodyPr>
           <a:lstStyle/>
           <a:p>
-            <a:r>
-              <a:rPr lang="en-US" dirty="0"/>
-              <a:t>What is the business question</a:t>
-            </a:r>
-          </a:p>
-          <a:p>
-            <a:r>
-              <a:rPr lang="en-US" dirty="0"/>
-              <a:t>What is the intent, the stakeholder’s thoughts</a:t>
-            </a:r>
-          </a:p>
-          <a:p>
-            <a:r>
-              <a:rPr lang="en-US" dirty="0"/>
-              <a:t>Business considerations</a:t>
+            <a:pPr marL="0" indent="0">
+              <a:buNone/>
+            </a:pPr>
+            <a:r>
+              <a:rPr lang="en-US" sz="2200" dirty="0"/>
+              <a:t>Main Objective:  Develop an empirically sound </a:t>
+            </a:r>
+          </a:p>
+          <a:p>
+            <a:pPr marL="0" indent="0">
+              <a:buNone/>
+            </a:pPr>
+            <a:r>
+              <a:rPr lang="en-US" sz="2200" dirty="0"/>
+              <a:t>method to forecast which customer is likely to default.</a:t>
+            </a:r>
+          </a:p>
+          <a:p>
+            <a:pPr marL="0" indent="0">
+              <a:buNone/>
+            </a:pPr>
+            <a:endParaRPr lang="en-US" sz="2000" dirty="0"/>
+          </a:p>
+          <a:p>
+            <a:pPr marL="0" indent="0">
+              <a:buNone/>
+            </a:pPr>
+            <a:r>
+              <a:rPr lang="en-US" sz="2200" dirty="0"/>
+              <a:t>Reason:  If </a:t>
+            </a:r>
+            <a:r>
+              <a:rPr lang="en-US" sz="2200" dirty="0" err="1"/>
+              <a:t>CreditOne</a:t>
+            </a:r>
+            <a:r>
+              <a:rPr lang="en-US" sz="2200" dirty="0"/>
+              <a:t> can identify accounts likely to </a:t>
+            </a:r>
+          </a:p>
+          <a:p>
+            <a:pPr marL="0" indent="0">
+              <a:buNone/>
+            </a:pPr>
+            <a:r>
+              <a:rPr lang="en-US" sz="2200" dirty="0"/>
+              <a:t>default, defensive measures can be taken to limit the </a:t>
+            </a:r>
+          </a:p>
+          <a:p>
+            <a:pPr marL="0" indent="0">
+              <a:buNone/>
+            </a:pPr>
+            <a:r>
+              <a:rPr lang="en-US" sz="2200" dirty="0"/>
+              <a:t>amount of financial exposure.</a:t>
+            </a:r>
+          </a:p>
+          <a:p>
+            <a:pPr marL="0" indent="0">
+              <a:buNone/>
+            </a:pPr>
+            <a:endParaRPr lang="en-US" sz="2200" dirty="0"/>
+          </a:p>
+          <a:p>
+            <a:pPr marL="0" indent="0">
+              <a:buNone/>
+            </a:pPr>
+            <a:r>
+              <a:rPr lang="en-US" sz="2200" dirty="0"/>
+              <a:t>Benefit:  Accounts with similar credit risk profiles can be moved / bundled into specialized products.</a:t>
             </a:r>
           </a:p>
         </p:txBody>
@@ -3971,7 +4084,7 @@
           <p:cNvPr id="2" name="Title 1">
             <a:extLst>
               <a:ext uri="{FF2B5EF4-FFF2-40B4-BE49-F238E27FC236}">
-                <a16:creationId xmlns:a16="http://schemas.microsoft.com/office/drawing/2014/main" id="{A63E6E77-16B3-43E5-870B-12CC2F57BF36}"/>
+                <a16:creationId xmlns:a16="http://schemas.microsoft.com/office/drawing/2014/main" id="{0EC88230-EC1C-4E03-8501-469CF3818616}"/>
               </a:ext>
             </a:extLst>
           </p:cNvPr>
@@ -3989,9 +4102,10 @@
           <a:p>
             <a:pPr algn="r"/>
             <a:r>
-              <a:rPr lang="en-US" sz="4400" cap="small" dirty="0"/>
+              <a:rPr lang="en-US" cap="small" dirty="0"/>
               <a:t>Analysis Plan</a:t>
             </a:r>
+            <a:endParaRPr lang="en-US" dirty="0"/>
           </a:p>
         </p:txBody>
       </p:sp>
@@ -4000,7 +4114,7 @@
           <p:cNvPr id="3" name="Content Placeholder 2">
             <a:extLst>
               <a:ext uri="{FF2B5EF4-FFF2-40B4-BE49-F238E27FC236}">
-                <a16:creationId xmlns:a16="http://schemas.microsoft.com/office/drawing/2014/main" id="{97344302-33F9-410F-BBA0-A2263EA42075}"/>
+                <a16:creationId xmlns:a16="http://schemas.microsoft.com/office/drawing/2014/main" id="{881F8050-9975-4A17-B209-7B09A0997D7A}"/>
               </a:ext>
             </a:extLst>
           </p:cNvPr>
@@ -4011,47 +4125,126 @@
             <p:ph idx="1"/>
           </p:nvPr>
         </p:nvSpPr>
-        <p:spPr/>
-        <p:txBody>
-          <a:bodyPr/>
-          <a:lstStyle/>
-          <a:p>
-            <a:r>
-              <a:rPr lang="en-US" dirty="0"/>
-              <a:t>What is the analysis goal</a:t>
-            </a:r>
-          </a:p>
-          <a:p>
-            <a:r>
-              <a:rPr lang="en-US" dirty="0"/>
-              <a:t>What hypotheses are to be tested</a:t>
-            </a:r>
-          </a:p>
-          <a:p>
-            <a:r>
-              <a:rPr lang="en-US" dirty="0"/>
-              <a:t>What data is available</a:t>
-            </a:r>
-          </a:p>
-          <a:p>
-            <a:r>
-              <a:rPr lang="en-US" dirty="0"/>
-              <a:t>What methodology will you employ</a:t>
-            </a:r>
-          </a:p>
-          <a:p>
-            <a:r>
-              <a:rPr lang="en-US" dirty="0"/>
-              <a:t>What is the timeline</a:t>
-            </a:r>
-          </a:p>
-          <a:p>
-            <a:r>
-              <a:rPr lang="en-US" dirty="0"/>
-              <a:t>Flowchart visualizing the detailed process you will follow</a:t>
-            </a:r>
-          </a:p>
-          <a:p>
+        <p:spPr>
+          <a:xfrm>
+            <a:off x="1547664" y="1600200"/>
+            <a:ext cx="7200800" cy="4525963"/>
+          </a:xfrm>
+        </p:spPr>
+        <p:txBody>
+          <a:bodyPr>
+            <a:normAutofit lnSpcReduction="10000"/>
+          </a:bodyPr>
+          <a:lstStyle/>
+          <a:p>
+            <a:pPr marL="0" indent="0">
+              <a:buNone/>
+            </a:pPr>
+            <a:r>
+              <a:rPr lang="en-US" sz="2200" dirty="0"/>
+              <a:t>Determine if sufficient data is available to forecast </a:t>
+            </a:r>
+          </a:p>
+          <a:p>
+            <a:pPr marL="0" indent="0">
+              <a:buNone/>
+            </a:pPr>
+            <a:r>
+              <a:rPr lang="en-US" sz="2200" dirty="0"/>
+              <a:t>future defaults.</a:t>
+            </a:r>
+          </a:p>
+          <a:p>
+            <a:pPr marL="0" indent="0">
+              <a:buNone/>
+            </a:pPr>
+            <a:endParaRPr lang="en-US" sz="2200" dirty="0"/>
+          </a:p>
+          <a:p>
+            <a:pPr marL="0" indent="0">
+              <a:buNone/>
+            </a:pPr>
+            <a:r>
+              <a:rPr lang="en-US" sz="2200" dirty="0"/>
+              <a:t>Use simpler analysis techniques to gather low-hanging</a:t>
+            </a:r>
+          </a:p>
+          <a:p>
+            <a:pPr marL="0" indent="0">
+              <a:buNone/>
+            </a:pPr>
+            <a:r>
+              <a:rPr lang="en-US" sz="2200" dirty="0"/>
+              <a:t>fruit; i.e. correlation analysis, trend analysis, estimation </a:t>
+            </a:r>
+          </a:p>
+          <a:p>
+            <a:pPr marL="0" indent="0">
+              <a:buNone/>
+            </a:pPr>
+            <a:r>
+              <a:rPr lang="en-US" sz="2200" dirty="0"/>
+              <a:t>and sizing, aggregate analysis.</a:t>
+            </a:r>
+          </a:p>
+          <a:p>
+            <a:pPr marL="0" indent="0">
+              <a:buNone/>
+            </a:pPr>
+            <a:endParaRPr lang="en-US" sz="2200" dirty="0"/>
+          </a:p>
+          <a:p>
+            <a:pPr marL="0" indent="0">
+              <a:buNone/>
+            </a:pPr>
+            <a:r>
+              <a:rPr lang="en-US" sz="2200" dirty="0"/>
+              <a:t>Test data to determine which variable has the most </a:t>
+            </a:r>
+          </a:p>
+          <a:p>
+            <a:pPr marL="0" indent="0">
+              <a:buNone/>
+            </a:pPr>
+            <a:r>
+              <a:rPr lang="en-US" sz="2200" dirty="0"/>
+              <a:t>significance.</a:t>
+            </a:r>
+          </a:p>
+          <a:p>
+            <a:pPr marL="0" indent="0">
+              <a:buNone/>
+            </a:pPr>
+            <a:endParaRPr lang="en-US" sz="2200" dirty="0"/>
+          </a:p>
+          <a:p>
+            <a:pPr marL="0" indent="0">
+              <a:buNone/>
+            </a:pPr>
+            <a:r>
+              <a:rPr lang="en-US" sz="2200" dirty="0"/>
+              <a:t>Consider if original question has been successfully </a:t>
+            </a:r>
+          </a:p>
+          <a:p>
+            <a:pPr marL="0" indent="0">
+              <a:buNone/>
+            </a:pPr>
+            <a:r>
+              <a:rPr lang="en-US" sz="2200" dirty="0"/>
+              <a:t>answered or if further analysis is required.</a:t>
+            </a:r>
+          </a:p>
+          <a:p>
+            <a:pPr marL="0" indent="0">
+              <a:buNone/>
+            </a:pPr>
+            <a:endParaRPr lang="en-US" sz="2200" dirty="0"/>
+          </a:p>
+          <a:p>
+            <a:pPr marL="0" indent="0">
+              <a:buNone/>
+            </a:pPr>
             <a:endParaRPr lang="en-US" dirty="0"/>
           </a:p>
         </p:txBody>
@@ -4059,7 +4252,7 @@
     </p:spTree>
     <p:extLst>
       <p:ext uri="{BB962C8B-B14F-4D97-AF65-F5344CB8AC3E}">
-        <p14:creationId xmlns:p14="http://schemas.microsoft.com/office/powerpoint/2010/main" val="2413856976"/>
+        <p14:creationId xmlns:p14="http://schemas.microsoft.com/office/powerpoint/2010/main" val="1236132378"/>
       </p:ext>
     </p:extLst>
   </p:cSld>
@@ -4086,91 +4279,100 @@
           <a:chExt cx="0" cy="0"/>
         </a:xfrm>
       </p:grpSpPr>
-      <p:sp>
-        <p:nvSpPr>
-          <p:cNvPr id="2" name="Title 1">
+      <p:pic>
+        <p:nvPicPr>
+          <p:cNvPr id="17" name="Picture 10" descr="https://blogs.allari.com/hubfs/BADIR_steps.jpg">
             <a:extLst>
               <a:ext uri="{FF2B5EF4-FFF2-40B4-BE49-F238E27FC236}">
-                <a16:creationId xmlns:a16="http://schemas.microsoft.com/office/drawing/2014/main" id="{A7989577-288E-41B7-B348-57A8A6DC4164}"/>
+                <a16:creationId xmlns:a16="http://schemas.microsoft.com/office/drawing/2014/main" id="{537D84D4-D139-4730-8FC3-CAAC7E154A2D}"/>
               </a:ext>
             </a:extLst>
           </p:cNvPr>
-          <p:cNvSpPr>
-            <a:spLocks noGrp="1"/>
-          </p:cNvSpPr>
-          <p:nvPr>
-            <p:ph type="title"/>
-          </p:nvPr>
-        </p:nvSpPr>
-        <p:spPr/>
-        <p:txBody>
-          <a:bodyPr/>
-          <a:lstStyle/>
-          <a:p>
-            <a:pPr algn="r"/>
-            <a:r>
-              <a:rPr lang="en-US" sz="4400" cap="small" dirty="0"/>
-              <a:t>Data Collection</a:t>
-            </a:r>
-          </a:p>
-        </p:txBody>
-      </p:sp>
-      <p:sp>
-        <p:nvSpPr>
-          <p:cNvPr id="3" name="Content Placeholder 2">
+          <p:cNvPicPr>
+            <a:picLocks noChangeAspect="1" noChangeArrowheads="1"/>
+          </p:cNvPicPr>
+          <p:nvPr/>
+        </p:nvPicPr>
+        <p:blipFill rotWithShape="1">
+          <a:blip r:embed="rId2">
+            <a:extLst>
+              <a:ext uri="{28A0092B-C50C-407E-A947-70E740481C1C}">
+                <a14:useLocalDpi xmlns:a14="http://schemas.microsoft.com/office/drawing/2010/main" val="0"/>
+              </a:ext>
+            </a:extLst>
+          </a:blip>
+          <a:srcRect t="17500" r="4805"/>
+          <a:stretch/>
+        </p:blipFill>
+        <p:spPr bwMode="auto">
+          <a:xfrm>
+            <a:off x="2924088" y="394320"/>
+            <a:ext cx="3336776" cy="3394720"/>
+          </a:xfrm>
+          <a:prstGeom prst="rect">
+            <a:avLst/>
+          </a:prstGeom>
+          <a:noFill/>
+          <a:extLst>
+            <a:ext uri="{909E8E84-426E-40DD-AFC4-6F175D3DCCD1}">
+              <a14:hiddenFill xmlns:a14="http://schemas.microsoft.com/office/drawing/2010/main">
+                <a:solidFill>
+                  <a:srgbClr val="FFFFFF"/>
+                </a:solidFill>
+              </a14:hiddenFill>
+            </a:ext>
+          </a:extLst>
+        </p:spPr>
+      </p:pic>
+      <p:pic>
+        <p:nvPicPr>
+          <p:cNvPr id="2060" name="Picture 12" descr="Image result for badir framework">
             <a:extLst>
               <a:ext uri="{FF2B5EF4-FFF2-40B4-BE49-F238E27FC236}">
-                <a16:creationId xmlns:a16="http://schemas.microsoft.com/office/drawing/2014/main" id="{EBBD41A5-F5B2-46DD-930E-B7976859E639}"/>
+                <a16:creationId xmlns:a16="http://schemas.microsoft.com/office/drawing/2014/main" id="{16E9C8F5-C0CC-4A0C-AED3-D6AEB56DE723}"/>
               </a:ext>
             </a:extLst>
           </p:cNvPr>
-          <p:cNvSpPr>
-            <a:spLocks noGrp="1"/>
-          </p:cNvSpPr>
-          <p:nvPr>
-            <p:ph idx="1"/>
-          </p:nvPr>
-        </p:nvSpPr>
-        <p:spPr/>
-        <p:txBody>
-          <a:bodyPr/>
-          <a:lstStyle/>
-          <a:p>
-            <a:r>
-              <a:rPr lang="en-US" dirty="0"/>
-              <a:t>Where will the data come from</a:t>
-            </a:r>
-          </a:p>
-          <a:p>
-            <a:r>
-              <a:rPr lang="en-US" dirty="0"/>
-              <a:t>How must the data be cleaned and validated</a:t>
-            </a:r>
-          </a:p>
-          <a:p>
-            <a:r>
-              <a:rPr lang="en-US" dirty="0"/>
-              <a:t>Descriptions and location of related data</a:t>
-            </a:r>
-          </a:p>
-          <a:p>
-            <a:r>
-              <a:rPr lang="en-US" dirty="0"/>
-              <a:t>Known issues with the data</a:t>
-            </a:r>
-          </a:p>
-          <a:p>
-            <a:pPr marL="0" indent="0">
-              <a:buNone/>
-            </a:pPr>
-            <a:endParaRPr lang="en-US" dirty="0"/>
-          </a:p>
-        </p:txBody>
-      </p:sp>
+          <p:cNvPicPr>
+            <a:picLocks noChangeAspect="1" noChangeArrowheads="1"/>
+          </p:cNvPicPr>
+          <p:nvPr/>
+        </p:nvPicPr>
+        <p:blipFill rotWithShape="1">
+          <a:blip r:embed="rId3">
+            <a:extLst>
+              <a:ext uri="{28A0092B-C50C-407E-A947-70E740481C1C}">
+                <a14:useLocalDpi xmlns:a14="http://schemas.microsoft.com/office/drawing/2010/main" val="0"/>
+              </a:ext>
+            </a:extLst>
+          </a:blip>
+          <a:srcRect t="17479"/>
+          <a:stretch/>
+        </p:blipFill>
+        <p:spPr bwMode="auto">
+          <a:xfrm>
+            <a:off x="2398166" y="4021782"/>
+            <a:ext cx="4910138" cy="2719586"/>
+          </a:xfrm>
+          <a:prstGeom prst="rect">
+            <a:avLst/>
+          </a:prstGeom>
+          <a:noFill/>
+          <a:extLst>
+            <a:ext uri="{909E8E84-426E-40DD-AFC4-6F175D3DCCD1}">
+              <a14:hiddenFill xmlns:a14="http://schemas.microsoft.com/office/drawing/2010/main">
+                <a:solidFill>
+                  <a:srgbClr val="FFFFFF"/>
+                </a:solidFill>
+              </a14:hiddenFill>
+            </a:ext>
+          </a:extLst>
+        </p:spPr>
+      </p:pic>
     </p:spTree>
     <p:extLst>
       <p:ext uri="{BB962C8B-B14F-4D97-AF65-F5344CB8AC3E}">
-        <p14:creationId xmlns:p14="http://schemas.microsoft.com/office/powerpoint/2010/main" val="1506013838"/>
+        <p14:creationId xmlns:p14="http://schemas.microsoft.com/office/powerpoint/2010/main" val="718705537"/>
       </p:ext>
     </p:extLst>
   </p:cSld>
@@ -4202,7 +4404,7 @@
           <p:cNvPr id="2" name="Title 1">
             <a:extLst>
               <a:ext uri="{FF2B5EF4-FFF2-40B4-BE49-F238E27FC236}">
-                <a16:creationId xmlns:a16="http://schemas.microsoft.com/office/drawing/2014/main" id="{A5E1FEF5-D823-4D81-A628-18CA08A7B28B}"/>
+                <a16:creationId xmlns:a16="http://schemas.microsoft.com/office/drawing/2014/main" id="{A7989577-288E-41B7-B348-57A8A6DC4164}"/>
               </a:ext>
             </a:extLst>
           </p:cNvPr>
@@ -4221,7 +4423,7 @@
             <a:pPr algn="r"/>
             <a:r>
               <a:rPr lang="en-US" sz="4400" cap="small" dirty="0"/>
-              <a:t>Insights</a:t>
+              <a:t>Data Collection</a:t>
             </a:r>
           </a:p>
         </p:txBody>
@@ -4231,7 +4433,7 @@
           <p:cNvPr id="3" name="Content Placeholder 2">
             <a:extLst>
               <a:ext uri="{FF2B5EF4-FFF2-40B4-BE49-F238E27FC236}">
-                <a16:creationId xmlns:a16="http://schemas.microsoft.com/office/drawing/2014/main" id="{1CC0FB08-437E-4385-B54E-2C8307D353B9}"/>
+                <a16:creationId xmlns:a16="http://schemas.microsoft.com/office/drawing/2014/main" id="{EBBD41A5-F5B2-46DD-930E-B7976859E639}"/>
               </a:ext>
             </a:extLst>
           </p:cNvPr>
@@ -4242,32 +4444,132 @@
             <p:ph idx="1"/>
           </p:nvPr>
         </p:nvSpPr>
-        <p:spPr/>
-        <p:txBody>
-          <a:bodyPr/>
-          <a:lstStyle/>
-          <a:p>
-            <a:r>
-              <a:rPr lang="en-US" dirty="0"/>
-              <a:t>What patterns do you see in the data</a:t>
-            </a:r>
-          </a:p>
-          <a:p>
-            <a:r>
-              <a:rPr lang="en-US" dirty="0"/>
-              <a:t>Are each hypotheses proven or disproven</a:t>
-            </a:r>
-          </a:p>
-          <a:p>
-            <a:r>
-              <a:rPr lang="en-US" dirty="0"/>
-              <a:t>How much confidence should stakeholders place in the results</a:t>
-            </a:r>
-          </a:p>
-          <a:p>
-            <a:r>
-              <a:rPr lang="en-US" dirty="0"/>
-              <a:t>How do you rank your findings in terms of quantified impact on the business</a:t>
+        <p:spPr>
+          <a:xfrm>
+            <a:off x="1547664" y="1600200"/>
+            <a:ext cx="7344816" cy="4525963"/>
+          </a:xfrm>
+        </p:spPr>
+        <p:txBody>
+          <a:bodyPr>
+            <a:normAutofit fontScale="92500" lnSpcReduction="20000"/>
+          </a:bodyPr>
+          <a:lstStyle/>
+          <a:p>
+            <a:pPr marL="0" indent="0">
+              <a:buNone/>
+            </a:pPr>
+            <a:r>
+              <a:rPr lang="en-US" sz="2200" dirty="0"/>
+              <a:t>Data file “default of credit card clients.csv”, a collection of </a:t>
+            </a:r>
+          </a:p>
+          <a:p>
+            <a:pPr marL="0" indent="0">
+              <a:buNone/>
+            </a:pPr>
+            <a:r>
+              <a:rPr lang="en-US" sz="2200" dirty="0"/>
+              <a:t>30K credit records gathered from Taiwan in 2005, is to be </a:t>
+            </a:r>
+          </a:p>
+          <a:p>
+            <a:pPr marL="0" indent="0">
+              <a:buNone/>
+            </a:pPr>
+            <a:r>
+              <a:rPr lang="en-US" sz="2200" dirty="0"/>
+              <a:t>used as a testbed to develop a forecasting algorithm.</a:t>
+            </a:r>
+          </a:p>
+          <a:p>
+            <a:pPr marL="0" indent="0">
+              <a:buNone/>
+            </a:pPr>
+            <a:endParaRPr lang="en-US" sz="2200" dirty="0"/>
+          </a:p>
+          <a:p>
+            <a:pPr marL="0" indent="0">
+              <a:buNone/>
+            </a:pPr>
+            <a:r>
+              <a:rPr lang="en-US" sz="2200" dirty="0"/>
+              <a:t>File consists of data which is available in our systems. </a:t>
+            </a:r>
+          </a:p>
+          <a:p>
+            <a:pPr marL="0" indent="0">
+              <a:buNone/>
+            </a:pPr>
+            <a:endParaRPr lang="en-US" sz="2200" dirty="0"/>
+          </a:p>
+          <a:p>
+            <a:pPr marL="0" indent="0">
+              <a:buNone/>
+            </a:pPr>
+            <a:r>
+              <a:rPr lang="en-US" sz="2200" dirty="0"/>
+              <a:t>Data is comprised of Credit Limit, Gender, Education Level, </a:t>
+            </a:r>
+          </a:p>
+          <a:p>
+            <a:pPr marL="0" indent="0">
+              <a:buNone/>
+            </a:pPr>
+            <a:r>
+              <a:rPr lang="en-US" sz="2200" dirty="0"/>
+              <a:t>Marriage Status, Age, Credit Payment History (6 months), </a:t>
+            </a:r>
+          </a:p>
+          <a:p>
+            <a:pPr marL="0" indent="0">
+              <a:buNone/>
+            </a:pPr>
+            <a:r>
+              <a:rPr lang="en-US" sz="2200" dirty="0"/>
+              <a:t>Monthly Balance (6 months), Monthly Payment (6 months), </a:t>
+            </a:r>
+          </a:p>
+          <a:p>
+            <a:pPr marL="0" indent="0">
+              <a:buNone/>
+            </a:pPr>
+            <a:r>
+              <a:rPr lang="en-US" sz="2200" dirty="0"/>
+              <a:t>and Default Indicator.</a:t>
+            </a:r>
+          </a:p>
+          <a:p>
+            <a:pPr marL="0" indent="0">
+              <a:buNone/>
+            </a:pPr>
+            <a:endParaRPr lang="en-US" sz="2200" dirty="0"/>
+          </a:p>
+          <a:p>
+            <a:pPr marL="0" indent="0">
+              <a:buNone/>
+            </a:pPr>
+            <a:r>
+              <a:rPr lang="en-US" sz="2200" dirty="0"/>
+              <a:t>File must be checked to determine missing, invalid, or </a:t>
+            </a:r>
+          </a:p>
+          <a:p>
+            <a:pPr marL="0" indent="0">
+              <a:buNone/>
+            </a:pPr>
+            <a:r>
+              <a:rPr lang="en-US" sz="2200" dirty="0"/>
+              <a:t>extreme values. Data with no significance will be removed </a:t>
+            </a:r>
+          </a:p>
+          <a:p>
+            <a:pPr marL="0" indent="0">
+              <a:buNone/>
+            </a:pPr>
+            <a:r>
+              <a:rPr lang="en-US" sz="2200" dirty="0"/>
+              <a:t>from the sample.</a:t>
             </a:r>
           </a:p>
         </p:txBody>
@@ -4275,7 +4577,7 @@
     </p:spTree>
     <p:extLst>
       <p:ext uri="{BB962C8B-B14F-4D97-AF65-F5344CB8AC3E}">
-        <p14:creationId xmlns:p14="http://schemas.microsoft.com/office/powerpoint/2010/main" val="976446432"/>
+        <p14:creationId xmlns:p14="http://schemas.microsoft.com/office/powerpoint/2010/main" val="1506013838"/>
       </p:ext>
     </p:extLst>
   </p:cSld>
@@ -4307,6 +4609,208 @@
           <p:cNvPr id="2" name="Title 1">
             <a:extLst>
               <a:ext uri="{FF2B5EF4-FFF2-40B4-BE49-F238E27FC236}">
+                <a16:creationId xmlns:a16="http://schemas.microsoft.com/office/drawing/2014/main" id="{A5E1FEF5-D823-4D81-A628-18CA08A7B28B}"/>
+              </a:ext>
+            </a:extLst>
+          </p:cNvPr>
+          <p:cNvSpPr>
+            <a:spLocks noGrp="1"/>
+          </p:cNvSpPr>
+          <p:nvPr>
+            <p:ph type="title"/>
+          </p:nvPr>
+        </p:nvSpPr>
+        <p:spPr/>
+        <p:txBody>
+          <a:bodyPr/>
+          <a:lstStyle/>
+          <a:p>
+            <a:pPr algn="r"/>
+            <a:r>
+              <a:rPr lang="en-US" sz="4400" cap="small" dirty="0"/>
+              <a:t>Insights</a:t>
+            </a:r>
+          </a:p>
+        </p:txBody>
+      </p:sp>
+      <p:sp>
+        <p:nvSpPr>
+          <p:cNvPr id="3" name="Content Placeholder 2">
+            <a:extLst>
+              <a:ext uri="{FF2B5EF4-FFF2-40B4-BE49-F238E27FC236}">
+                <a16:creationId xmlns:a16="http://schemas.microsoft.com/office/drawing/2014/main" id="{1CC0FB08-437E-4385-B54E-2C8307D353B9}"/>
+              </a:ext>
+            </a:extLst>
+          </p:cNvPr>
+          <p:cNvSpPr>
+            <a:spLocks noGrp="1"/>
+          </p:cNvSpPr>
+          <p:nvPr>
+            <p:ph idx="1"/>
+          </p:nvPr>
+        </p:nvSpPr>
+        <p:spPr>
+          <a:xfrm>
+            <a:off x="1547664" y="1600200"/>
+            <a:ext cx="7344816" cy="4525963"/>
+          </a:xfrm>
+        </p:spPr>
+        <p:txBody>
+          <a:bodyPr>
+            <a:normAutofit fontScale="62500" lnSpcReduction="20000"/>
+          </a:bodyPr>
+          <a:lstStyle/>
+          <a:p>
+            <a:pPr marL="0" indent="0">
+              <a:buNone/>
+            </a:pPr>
+            <a:r>
+              <a:rPr lang="en-US" dirty="0"/>
+              <a:t>Using aggregate analysis, the data identifies a </a:t>
+            </a:r>
+          </a:p>
+          <a:p>
+            <a:pPr marL="0" indent="0">
+              <a:buNone/>
+            </a:pPr>
+            <a:r>
+              <a:rPr lang="en-US" dirty="0"/>
+              <a:t>population which is mostly women with a college </a:t>
+            </a:r>
+          </a:p>
+          <a:p>
+            <a:pPr marL="0" indent="0">
+              <a:buNone/>
+            </a:pPr>
+            <a:r>
+              <a:rPr lang="en-US" dirty="0"/>
+              <a:t>education, unmarried, under 30 years of age, who use </a:t>
+            </a:r>
+          </a:p>
+          <a:p>
+            <a:pPr marL="0" indent="0">
+              <a:buNone/>
+            </a:pPr>
+            <a:r>
+              <a:rPr lang="en-US" dirty="0"/>
+              <a:t>the card as a traditional revolving account with a credit limit of $50K. </a:t>
+            </a:r>
+          </a:p>
+          <a:p>
+            <a:pPr marL="0" indent="0">
+              <a:buNone/>
+            </a:pPr>
+            <a:endParaRPr lang="en-US" dirty="0"/>
+          </a:p>
+          <a:p>
+            <a:pPr marL="0" indent="0">
+              <a:buNone/>
+            </a:pPr>
+            <a:r>
+              <a:rPr lang="en-US" dirty="0"/>
+              <a:t>Data is somewhat skewed due to individual accounts </a:t>
+            </a:r>
+          </a:p>
+          <a:p>
+            <a:pPr marL="0" indent="0">
+              <a:buNone/>
+            </a:pPr>
+            <a:r>
+              <a:rPr lang="en-US" dirty="0"/>
+              <a:t>with large credits (2% of file) or balances exceeding </a:t>
+            </a:r>
+          </a:p>
+          <a:p>
+            <a:pPr marL="0" indent="0">
+              <a:buNone/>
+            </a:pPr>
+            <a:r>
+              <a:rPr lang="en-US" dirty="0"/>
+              <a:t>$150K (9% of file).</a:t>
+            </a:r>
+          </a:p>
+          <a:p>
+            <a:pPr marL="0" indent="0">
+              <a:buNone/>
+            </a:pPr>
+            <a:endParaRPr lang="en-US" dirty="0"/>
+          </a:p>
+          <a:p>
+            <a:pPr marL="0" indent="0">
+              <a:buNone/>
+            </a:pPr>
+            <a:r>
+              <a:rPr lang="en-US" dirty="0"/>
+              <a:t>This data may contain cultural nuance which may impact our findings. (Amounts are in Taiwanese New Dollar NT$)</a:t>
+            </a:r>
+          </a:p>
+          <a:p>
+            <a:pPr marL="0" indent="0">
+              <a:buNone/>
+            </a:pPr>
+            <a:endParaRPr lang="en-US" dirty="0"/>
+          </a:p>
+          <a:p>
+            <a:pPr marL="0" indent="0">
+              <a:buNone/>
+            </a:pPr>
+            <a:r>
+              <a:rPr lang="en-US" dirty="0"/>
+              <a:t>Until further analysis has been conducted, these </a:t>
+            </a:r>
+          </a:p>
+          <a:p>
+            <a:pPr marL="0" indent="0">
+              <a:buNone/>
+            </a:pPr>
+            <a:r>
+              <a:rPr lang="en-US" dirty="0"/>
+              <a:t>findings should be treated as mere observations.</a:t>
+            </a:r>
+          </a:p>
+          <a:p>
+            <a:pPr marL="0" indent="0">
+              <a:buNone/>
+            </a:pPr>
+            <a:endParaRPr lang="en-US" dirty="0"/>
+          </a:p>
+        </p:txBody>
+      </p:sp>
+    </p:spTree>
+    <p:extLst>
+      <p:ext uri="{BB962C8B-B14F-4D97-AF65-F5344CB8AC3E}">
+        <p14:creationId xmlns:p14="http://schemas.microsoft.com/office/powerpoint/2010/main" val="976446432"/>
+      </p:ext>
+    </p:extLst>
+  </p:cSld>
+  <p:clrMapOvr>
+    <a:masterClrMapping/>
+  </p:clrMapOvr>
+</p:sld>
+</file>
+
+<file path=ppt/slides/slide9.xml><?xml version="1.0" encoding="utf-8"?>
+<p:sld xmlns:a="http://schemas.openxmlformats.org/drawingml/2006/main" xmlns:r="http://schemas.openxmlformats.org/officeDocument/2006/relationships" xmlns:p="http://schemas.openxmlformats.org/presentationml/2006/main">
+  <p:cSld>
+    <p:spTree>
+      <p:nvGrpSpPr>
+        <p:cNvPr id="1" name=""/>
+        <p:cNvGrpSpPr/>
+        <p:nvPr/>
+      </p:nvGrpSpPr>
+      <p:grpSpPr>
+        <a:xfrm>
+          <a:off x="0" y="0"/>
+          <a:ext cx="0" cy="0"/>
+          <a:chOff x="0" y="0"/>
+          <a:chExt cx="0" cy="0"/>
+        </a:xfrm>
+      </p:grpSpPr>
+      <p:sp>
+        <p:nvSpPr>
+          <p:cNvPr id="2" name="Title 1">
+            <a:extLst>
+              <a:ext uri="{FF2B5EF4-FFF2-40B4-BE49-F238E27FC236}">
                 <a16:creationId xmlns:a16="http://schemas.microsoft.com/office/drawing/2014/main" id="{B85324EB-550D-4184-8005-BC7231722CA8}"/>
               </a:ext>
             </a:extLst>
@@ -4347,17 +4851,33 @@
             <p:ph idx="1"/>
           </p:nvPr>
         </p:nvSpPr>
-        <p:spPr/>
-        <p:txBody>
-          <a:bodyPr/>
-          <a:lstStyle/>
-          <a:p>
-            <a:pPr marL="0" indent="0">
-              <a:buNone/>
-            </a:pPr>
-            <a:r>
-              <a:rPr lang="en-US" dirty="0"/>
-              <a:t>Next steps</a:t>
+        <p:spPr>
+          <a:xfrm>
+            <a:off x="1547664" y="1600200"/>
+            <a:ext cx="7139136" cy="4525963"/>
+          </a:xfrm>
+        </p:spPr>
+        <p:txBody>
+          <a:bodyPr>
+            <a:normAutofit/>
+          </a:bodyPr>
+          <a:lstStyle/>
+          <a:p>
+            <a:pPr marL="0" indent="0">
+              <a:buNone/>
+            </a:pPr>
+            <a:r>
+              <a:rPr lang="en-US" sz="2200" dirty="0"/>
+              <a:t>Further analysis will be required to be able to </a:t>
+            </a:r>
+          </a:p>
+          <a:p>
+            <a:pPr marL="0" indent="0">
+              <a:buNone/>
+            </a:pPr>
+            <a:r>
+              <a:rPr lang="en-US" sz="2200" dirty="0"/>
+              <a:t>determine what data is significant.</a:t>
             </a:r>
           </a:p>
         </p:txBody>
